--- a/physics.pptx
+++ b/physics.pptx
@@ -6,6 +6,7 @@
   </p:sldMasterIdLst>
   <p:sldIdLst>
     <p:sldId id="256" r:id="rId2"/>
+    <p:sldId id="257" r:id="rId3"/>
   </p:sldIdLst>
   <p:sldSz cx="12192000" cy="6858000"/>
   <p:notesSz cx="6858000" cy="9144000"/>
@@ -104,6 +105,11 @@
       </a:defRPr>
     </a:lvl9pPr>
   </p:defaultTextStyle>
+  <p:extLst>
+    <p:ext uri="{EFAFB233-063F-42B5-8137-9DF3F51BA10A}">
+      <p15:sldGuideLst xmlns:p15="http://schemas.microsoft.com/office/powerpoint/2012/main"/>
+    </p:ext>
+  </p:extLst>
 </p:presentation>
 </file>
 
@@ -3161,8 +3167,8 @@
           </a:p>
         </p:txBody>
       </p:sp>
-      <mc:AlternateContent xmlns:mc="http://schemas.openxmlformats.org/markup-compatibility/2006">
-        <mc:Choice xmlns:a14="http://schemas.microsoft.com/office/drawing/2010/main" Requires="a14">
+      <mc:AlternateContent xmlns:mc="http://schemas.openxmlformats.org/markup-compatibility/2006" xmlns:a14="http://schemas.microsoft.com/office/drawing/2010/main">
+        <mc:Choice Requires="a14">
           <p:sp>
             <p:nvSpPr>
               <p:cNvPr id="27" name="TextBox 26"/>
@@ -3185,6 +3191,7 @@
               </a:bodyPr>
               <a:lstStyle/>
               <a:p>
+                <a:pPr/>
                 <a14:m>
                   <m:oMathPara xmlns:m="http://schemas.openxmlformats.org/officeDocument/2006/math">
                     <m:oMathParaPr>
@@ -3323,7 +3330,7 @@
             </p:txBody>
           </p:sp>
         </mc:Choice>
-        <mc:Fallback>
+        <mc:Fallback xmlns="">
           <p:sp>
             <p:nvSpPr>
               <p:cNvPr id="27" name="TextBox 26"/>
@@ -3485,8 +3492,8 @@
           </a:p>
         </p:txBody>
       </p:sp>
-      <mc:AlternateContent xmlns:mc="http://schemas.openxmlformats.org/markup-compatibility/2006">
-        <mc:Choice xmlns:a14="http://schemas.microsoft.com/office/drawing/2010/main" Requires="a14">
+      <mc:AlternateContent xmlns:mc="http://schemas.openxmlformats.org/markup-compatibility/2006" xmlns:a14="http://schemas.microsoft.com/office/drawing/2010/main">
+        <mc:Choice Requires="a14">
           <p:sp>
             <p:nvSpPr>
               <p:cNvPr id="34" name="TextBox 33"/>
@@ -3495,8 +3502,8 @@
             </p:nvSpPr>
             <p:spPr>
               <a:xfrm>
-                <a:off x="3241965" y="4792049"/>
-                <a:ext cx="2391489" cy="682944"/>
+                <a:off x="3356619" y="4789003"/>
+                <a:ext cx="1592038" cy="427746"/>
               </a:xfrm>
               <a:prstGeom prst="rect">
                 <a:avLst/>
@@ -3509,309 +3516,36 @@
               </a:bodyPr>
               <a:lstStyle/>
               <a:p>
+                <a:pPr/>
                 <a14:m>
                   <m:oMathPara xmlns:m="http://schemas.openxmlformats.org/officeDocument/2006/math">
                     <m:oMathParaPr>
                       <m:jc m:val="centerGroup"/>
                     </m:oMathParaPr>
                     <m:oMath xmlns:m="http://schemas.openxmlformats.org/officeDocument/2006/math">
-                      <m:func>
-                        <m:funcPr>
-                          <m:ctrlPr>
-                            <a:rPr lang="en-US" b="0" i="1" smtClean="0">
-                              <a:latin typeface="Cambria Math" panose="02040503050406030204" pitchFamily="18" charset="0"/>
-                            </a:rPr>
-                          </m:ctrlPr>
-                        </m:funcPr>
-                        <m:fName>
-                          <m:r>
-                            <m:rPr>
-                              <m:sty m:val="p"/>
-                            </m:rPr>
-                            <a:rPr lang="en-US" b="0" i="0" smtClean="0">
-                              <a:latin typeface="Cambria Math" panose="02040503050406030204" pitchFamily="18" charset="0"/>
-                            </a:rPr>
-                            <m:t>sin</m:t>
-                          </m:r>
-                        </m:fName>
-                        <m:e>
-                          <m:r>
-                            <a:rPr lang="en-US" b="0" i="1" smtClean="0">
-                              <a:latin typeface="Cambria Math" panose="02040503050406030204" pitchFamily="18" charset="0"/>
-                            </a:rPr>
-                            <m:t>𝐴</m:t>
-                          </m:r>
-                        </m:e>
-                      </m:func>
+                      <m:r>
+                        <a:rPr lang="en-US" b="0" i="1" smtClean="0">
+                          <a:latin typeface="Cambria Math" panose="02040503050406030204" pitchFamily="18" charset="0"/>
+                        </a:rPr>
+                        <m:t>𝑟</m:t>
+                      </m:r>
                       <m:r>
                         <a:rPr lang="en-US" i="1" smtClean="0">
                           <a:latin typeface="Cambria Math" panose="02040503050406030204" pitchFamily="18" charset="0"/>
                         </a:rPr>
                         <m:t>=</m:t>
                       </m:r>
-                      <m:f>
-                        <m:fPr>
-                          <m:ctrlPr>
-                            <a:rPr lang="en-US" i="1" smtClean="0">
-                              <a:latin typeface="Cambria Math" panose="02040503050406030204" pitchFamily="18" charset="0"/>
-                            </a:rPr>
-                          </m:ctrlPr>
-                        </m:fPr>
-                        <m:num>
-                          <m:r>
-                            <a:rPr lang="en-US" b="0" i="1" smtClean="0">
-                              <a:latin typeface="Cambria Math" panose="02040503050406030204" pitchFamily="18" charset="0"/>
-                            </a:rPr>
-                            <m:t>𝑦</m:t>
-                          </m:r>
-                        </m:num>
-                        <m:den>
-                          <m:r>
-                            <a:rPr lang="en-US" b="0" i="1" smtClean="0">
-                              <a:latin typeface="Cambria Math" panose="02040503050406030204" pitchFamily="18" charset="0"/>
-                            </a:rPr>
-                            <m:t>𝑟</m:t>
-                          </m:r>
-                        </m:den>
-                      </m:f>
-                      <m:r>
-                        <a:rPr lang="en-US" b="0" i="1" smtClean="0">
-                          <a:latin typeface="Cambria Math" panose="02040503050406030204" pitchFamily="18" charset="0"/>
-                        </a:rPr>
-                        <m:t>=</m:t>
-                      </m:r>
-                      <m:f>
-                        <m:fPr>
+                      <m:rad>
+                        <m:radPr>
+                          <m:degHide m:val="on"/>
                           <m:ctrlPr>
                             <a:rPr lang="en-US" b="0" i="1" smtClean="0">
                               <a:latin typeface="Cambria Math" panose="02040503050406030204" pitchFamily="18" charset="0"/>
                             </a:rPr>
                           </m:ctrlPr>
-                        </m:fPr>
-                        <m:num>
-                          <m:r>
-                            <a:rPr lang="en-US" b="0" i="1" smtClean="0">
-                              <a:latin typeface="Cambria Math" panose="02040503050406030204" pitchFamily="18" charset="0"/>
-                            </a:rPr>
-                            <m:t>𝑦</m:t>
-                          </m:r>
-                        </m:num>
-                        <m:den>
-                          <m:rad>
-                            <m:radPr>
-                              <m:degHide m:val="on"/>
-                              <m:ctrlPr>
-                                <a:rPr lang="en-US" b="0" i="1" smtClean="0">
-                                  <a:latin typeface="Cambria Math" panose="02040503050406030204" pitchFamily="18" charset="0"/>
-                                </a:rPr>
-                              </m:ctrlPr>
-                            </m:radPr>
-                            <m:deg/>
-                            <m:e>
-                              <m:sSup>
-                                <m:sSupPr>
-                                  <m:ctrlPr>
-                                    <a:rPr lang="en-US" b="0" i="1" smtClean="0">
-                                      <a:latin typeface="Cambria Math" panose="02040503050406030204" pitchFamily="18" charset="0"/>
-                                    </a:rPr>
-                                  </m:ctrlPr>
-                                </m:sSupPr>
-                                <m:e>
-                                  <m:r>
-                                    <a:rPr lang="en-US" b="0" i="1" smtClean="0">
-                                      <a:latin typeface="Cambria Math" panose="02040503050406030204" pitchFamily="18" charset="0"/>
-                                    </a:rPr>
-                                    <m:t>𝑥</m:t>
-                                  </m:r>
-                                </m:e>
-                                <m:sup>
-                                  <m:r>
-                                    <a:rPr lang="en-US" b="0" i="1" smtClean="0">
-                                      <a:latin typeface="Cambria Math" panose="02040503050406030204" pitchFamily="18" charset="0"/>
-                                    </a:rPr>
-                                    <m:t>2</m:t>
-                                  </m:r>
-                                </m:sup>
-                              </m:sSup>
-                              <m:r>
-                                <a:rPr lang="en-US" b="0" i="1" smtClean="0">
-                                  <a:latin typeface="Cambria Math" panose="02040503050406030204" pitchFamily="18" charset="0"/>
-                                </a:rPr>
-                                <m:t>+</m:t>
-                              </m:r>
-                              <m:sSup>
-                                <m:sSupPr>
-                                  <m:ctrlPr>
-                                    <a:rPr lang="en-US" b="0" i="1" smtClean="0">
-                                      <a:latin typeface="Cambria Math" panose="02040503050406030204" pitchFamily="18" charset="0"/>
-                                    </a:rPr>
-                                  </m:ctrlPr>
-                                </m:sSupPr>
-                                <m:e>
-                                  <m:r>
-                                    <a:rPr lang="en-US" b="0" i="1" smtClean="0">
-                                      <a:latin typeface="Cambria Math" panose="02040503050406030204" pitchFamily="18" charset="0"/>
-                                    </a:rPr>
-                                    <m:t>𝑦</m:t>
-                                  </m:r>
-                                </m:e>
-                                <m:sup>
-                                  <m:r>
-                                    <a:rPr lang="en-US" b="0" i="1" smtClean="0">
-                                      <a:latin typeface="Cambria Math" panose="02040503050406030204" pitchFamily="18" charset="0"/>
-                                    </a:rPr>
-                                    <m:t>2</m:t>
-                                  </m:r>
-                                </m:sup>
-                              </m:sSup>
-                            </m:e>
-                          </m:rad>
-                        </m:den>
-                      </m:f>
-                    </m:oMath>
-                  </m:oMathPara>
-                </a14:m>
-                <a:endParaRPr lang="en-US" dirty="0"/>
-              </a:p>
-            </p:txBody>
-          </p:sp>
-        </mc:Choice>
-        <mc:Fallback>
-          <p:sp>
-            <p:nvSpPr>
-              <p:cNvPr id="34" name="TextBox 33"/>
-              <p:cNvSpPr txBox="1">
-                <a:spLocks noRot="1" noChangeAspect="1" noMove="1" noResize="1" noEditPoints="1" noAdjustHandles="1" noChangeArrowheads="1" noChangeShapeType="1" noTextEdit="1"/>
-              </p:cNvSpPr>
-              <p:nvPr/>
-            </p:nvSpPr>
-            <p:spPr>
-              <a:xfrm>
-                <a:off x="3241965" y="4792049"/>
-                <a:ext cx="2391489" cy="682944"/>
-              </a:xfrm>
-              <a:prstGeom prst="rect">
-                <a:avLst/>
-              </a:prstGeom>
-              <a:blipFill>
-                <a:blip r:embed="rId3"/>
-                <a:stretch>
-                  <a:fillRect/>
-                </a:stretch>
-              </a:blipFill>
-            </p:spPr>
-            <p:txBody>
-              <a:bodyPr/>
-              <a:lstStyle/>
-              <a:p>
-                <a:r>
-                  <a:rPr lang="en-US">
-                    <a:noFill/>
-                  </a:rPr>
-                  <a:t> </a:t>
-                </a:r>
-              </a:p>
-            </p:txBody>
-          </p:sp>
-        </mc:Fallback>
-      </mc:AlternateContent>
-      <mc:AlternateContent xmlns:mc="http://schemas.openxmlformats.org/markup-compatibility/2006">
-        <mc:Choice xmlns:a14="http://schemas.microsoft.com/office/drawing/2010/main" Requires="a14">
-          <p:sp>
-            <p:nvSpPr>
-              <p:cNvPr id="35" name="TextBox 34"/>
-              <p:cNvSpPr txBox="1"/>
-              <p:nvPr/>
-            </p:nvSpPr>
-            <p:spPr>
-              <a:xfrm>
-                <a:off x="3401703" y="6013834"/>
-                <a:ext cx="1347548" cy="603114"/>
-              </a:xfrm>
-              <a:prstGeom prst="rect">
-                <a:avLst/>
-              </a:prstGeom>
-              <a:noFill/>
-            </p:spPr>
-            <p:txBody>
-              <a:bodyPr wrap="none" lIns="0" tIns="0" rIns="0" bIns="0" rtlCol="0">
-                <a:spAutoFit/>
-              </a:bodyPr>
-              <a:lstStyle/>
-              <a:p>
-                <a14:m>
-                  <m:oMathPara xmlns:m="http://schemas.openxmlformats.org/officeDocument/2006/math">
-                    <m:oMathParaPr>
-                      <m:jc m:val="centerGroup"/>
-                    </m:oMathParaPr>
-                    <m:oMath xmlns:m="http://schemas.openxmlformats.org/officeDocument/2006/math">
-                      <m:sSup>
-                        <m:sSupPr>
-                          <m:ctrlPr>
-                            <a:rPr lang="en-US" b="0" i="1" smtClean="0">
-                              <a:latin typeface="Cambria Math" panose="02040503050406030204" pitchFamily="18" charset="0"/>
-                            </a:rPr>
-                          </m:ctrlPr>
-                        </m:sSupPr>
+                        </m:radPr>
+                        <m:deg/>
                         <m:e>
-                          <m:r>
-                            <a:rPr lang="en-US" b="0" i="1" smtClean="0">
-                              <a:latin typeface="Cambria Math" panose="02040503050406030204" pitchFamily="18" charset="0"/>
-                            </a:rPr>
-                            <m:t>𝑠</m:t>
-                          </m:r>
-                        </m:e>
-                        <m:sup>
-                          <m:r>
-                            <a:rPr lang="en-US" b="0" i="1" smtClean="0">
-                              <a:latin typeface="Cambria Math" panose="02040503050406030204" pitchFamily="18" charset="0"/>
-                            </a:rPr>
-                            <m:t>2</m:t>
-                          </m:r>
-                        </m:sup>
-                      </m:sSup>
-                      <m:r>
-                        <a:rPr lang="en-US" i="1" smtClean="0">
-                          <a:latin typeface="Cambria Math" panose="02040503050406030204" pitchFamily="18" charset="0"/>
-                        </a:rPr>
-                        <m:t>=</m:t>
-                      </m:r>
-                      <m:f>
-                        <m:fPr>
-                          <m:ctrlPr>
-                            <a:rPr lang="en-US" b="0" i="1" smtClean="0">
-                              <a:latin typeface="Cambria Math" panose="02040503050406030204" pitchFamily="18" charset="0"/>
-                            </a:rPr>
-                          </m:ctrlPr>
-                        </m:fPr>
-                        <m:num>
-                          <m:sSup>
-                            <m:sSupPr>
-                              <m:ctrlPr>
-                                <a:rPr lang="en-US" b="0" i="1" smtClean="0">
-                                  <a:latin typeface="Cambria Math" panose="02040503050406030204" pitchFamily="18" charset="0"/>
-                                </a:rPr>
-                              </m:ctrlPr>
-                            </m:sSupPr>
-                            <m:e>
-                              <m:r>
-                                <a:rPr lang="en-US" b="0" i="1" smtClean="0">
-                                  <a:latin typeface="Cambria Math" panose="02040503050406030204" pitchFamily="18" charset="0"/>
-                                </a:rPr>
-                                <m:t>𝑦</m:t>
-                              </m:r>
-                            </m:e>
-                            <m:sup>
-                              <m:r>
-                                <a:rPr lang="en-US" b="0" i="1" smtClean="0">
-                                  <a:latin typeface="Cambria Math" panose="02040503050406030204" pitchFamily="18" charset="0"/>
-                                </a:rPr>
-                                <m:t>2</m:t>
-                              </m:r>
-                            </m:sup>
-                          </m:sSup>
-                        </m:num>
-                        <m:den>
                           <m:sSup>
                             <m:sSupPr>
                               <m:ctrlPr>
@@ -3868,6 +3602,206 @@
                               </m:r>
                             </m:sup>
                           </m:sSup>
+                        </m:e>
+                      </m:rad>
+                    </m:oMath>
+                  </m:oMathPara>
+                </a14:m>
+                <a:endParaRPr lang="en-US" dirty="0" smtClean="0"/>
+              </a:p>
+            </p:txBody>
+          </p:sp>
+        </mc:Choice>
+        <mc:Fallback xmlns="">
+          <p:sp>
+            <p:nvSpPr>
+              <p:cNvPr id="34" name="TextBox 33"/>
+              <p:cNvSpPr txBox="1">
+                <a:spLocks noRot="1" noChangeAspect="1" noMove="1" noResize="1" noEditPoints="1" noAdjustHandles="1" noChangeArrowheads="1" noChangeShapeType="1" noTextEdit="1"/>
+              </p:cNvSpPr>
+              <p:nvPr/>
+            </p:nvSpPr>
+            <p:spPr>
+              <a:xfrm>
+                <a:off x="3356619" y="4789003"/>
+                <a:ext cx="1592038" cy="427746"/>
+              </a:xfrm>
+              <a:prstGeom prst="rect">
+                <a:avLst/>
+              </a:prstGeom>
+              <a:blipFill>
+                <a:blip r:embed="rId3"/>
+                <a:stretch>
+                  <a:fillRect b="-5714"/>
+                </a:stretch>
+              </a:blipFill>
+            </p:spPr>
+            <p:txBody>
+              <a:bodyPr/>
+              <a:lstStyle/>
+              <a:p>
+                <a:r>
+                  <a:rPr lang="en-US">
+                    <a:noFill/>
+                  </a:rPr>
+                  <a:t> </a:t>
+                </a:r>
+              </a:p>
+            </p:txBody>
+          </p:sp>
+        </mc:Fallback>
+      </mc:AlternateContent>
+      <mc:AlternateContent xmlns:mc="http://schemas.openxmlformats.org/markup-compatibility/2006" xmlns:a14="http://schemas.microsoft.com/office/drawing/2010/main">
+        <mc:Choice Requires="a14">
+          <p:sp>
+            <p:nvSpPr>
+              <p:cNvPr id="37" name="TextBox 36"/>
+              <p:cNvSpPr txBox="1"/>
+              <p:nvPr/>
+            </p:nvSpPr>
+            <p:spPr>
+              <a:xfrm>
+                <a:off x="3356619" y="5409276"/>
+                <a:ext cx="1619611" cy="760273"/>
+              </a:xfrm>
+              <a:prstGeom prst="rect">
+                <a:avLst/>
+              </a:prstGeom>
+              <a:noFill/>
+            </p:spPr>
+            <p:txBody>
+              <a:bodyPr wrap="none" lIns="0" tIns="0" rIns="0" bIns="0" rtlCol="0">
+                <a:spAutoFit/>
+              </a:bodyPr>
+              <a:lstStyle/>
+              <a:p>
+                <a:pPr/>
+                <a14:m>
+                  <m:oMathPara xmlns:m="http://schemas.openxmlformats.org/officeDocument/2006/math">
+                    <m:oMathParaPr>
+                      <m:jc m:val="centerGroup"/>
+                    </m:oMathParaPr>
+                    <m:oMath xmlns:m="http://schemas.openxmlformats.org/officeDocument/2006/math">
+                      <m:sSup>
+                        <m:sSupPr>
+                          <m:ctrlPr>
+                            <a:rPr lang="en-US" b="0" i="1" smtClean="0">
+                              <a:latin typeface="Cambria Math" panose="02040503050406030204" pitchFamily="18" charset="0"/>
+                            </a:rPr>
+                          </m:ctrlPr>
+                        </m:sSupPr>
+                        <m:e>
+                          <m:r>
+                            <a:rPr lang="en-US" b="0" i="1" smtClean="0">
+                              <a:latin typeface="Cambria Math" panose="02040503050406030204" pitchFamily="18" charset="0"/>
+                            </a:rPr>
+                            <m:t>𝑦</m:t>
+                          </m:r>
+                        </m:e>
+                        <m:sup>
+                          <m:r>
+                            <a:rPr lang="en-US" b="0" i="1" smtClean="0">
+                              <a:latin typeface="Cambria Math" panose="02040503050406030204" pitchFamily="18" charset="0"/>
+                            </a:rPr>
+                            <m:t>2</m:t>
+                          </m:r>
+                        </m:sup>
+                      </m:sSup>
+                      <m:r>
+                        <a:rPr lang="en-US" i="1" smtClean="0">
+                          <a:latin typeface="Cambria Math" panose="02040503050406030204" pitchFamily="18" charset="0"/>
+                        </a:rPr>
+                        <m:t>=</m:t>
+                      </m:r>
+                      <m:f>
+                        <m:fPr>
+                          <m:ctrlPr>
+                            <a:rPr lang="en-US" i="1" smtClean="0">
+                              <a:latin typeface="Cambria Math" panose="02040503050406030204" pitchFamily="18" charset="0"/>
+                            </a:rPr>
+                          </m:ctrlPr>
+                        </m:fPr>
+                        <m:num>
+                          <m:r>
+                            <a:rPr lang="en-US" b="0" i="1" smtClean="0">
+                              <a:latin typeface="Cambria Math" panose="02040503050406030204" pitchFamily="18" charset="0"/>
+                            </a:rPr>
+                            <m:t>1</m:t>
+                          </m:r>
+                        </m:num>
+                        <m:den>
+                          <m:f>
+                            <m:fPr>
+                              <m:ctrlPr>
+                                <a:rPr lang="en-US" i="1" smtClean="0">
+                                  <a:latin typeface="Cambria Math" panose="02040503050406030204" pitchFamily="18" charset="0"/>
+                                </a:rPr>
+                              </m:ctrlPr>
+                            </m:fPr>
+                            <m:num>
+                              <m:r>
+                                <a:rPr lang="en-US" b="0" i="1" smtClean="0">
+                                  <a:latin typeface="Cambria Math" panose="02040503050406030204" pitchFamily="18" charset="0"/>
+                                </a:rPr>
+                                <m:t>1</m:t>
+                              </m:r>
+                            </m:num>
+                            <m:den>
+                              <m:func>
+                                <m:funcPr>
+                                  <m:ctrlPr>
+                                    <a:rPr lang="en-US" b="0" i="1" smtClean="0">
+                                      <a:latin typeface="Cambria Math" panose="02040503050406030204" pitchFamily="18" charset="0"/>
+                                    </a:rPr>
+                                  </m:ctrlPr>
+                                </m:funcPr>
+                                <m:fName>
+                                  <m:r>
+                                    <m:rPr>
+                                      <m:sty m:val="p"/>
+                                    </m:rPr>
+                                    <a:rPr lang="en-US" b="0" i="0" smtClean="0">
+                                      <a:latin typeface="Cambria Math" panose="02040503050406030204" pitchFamily="18" charset="0"/>
+                                    </a:rPr>
+                                    <m:t>tan</m:t>
+                                  </m:r>
+                                </m:fName>
+                                <m:e>
+                                  <m:sSup>
+                                    <m:sSupPr>
+                                      <m:ctrlPr>
+                                        <a:rPr lang="en-US" b="0" i="1" smtClean="0">
+                                          <a:latin typeface="Cambria Math" panose="02040503050406030204" pitchFamily="18" charset="0"/>
+                                        </a:rPr>
+                                      </m:ctrlPr>
+                                    </m:sSupPr>
+                                    <m:e>
+                                      <m:r>
+                                        <a:rPr lang="en-US" b="0" i="1" smtClean="0">
+                                          <a:latin typeface="Cambria Math" panose="02040503050406030204" pitchFamily="18" charset="0"/>
+                                        </a:rPr>
+                                        <m:t>𝐴</m:t>
+                                      </m:r>
+                                    </m:e>
+                                    <m:sup>
+                                      <m:r>
+                                        <a:rPr lang="en-US" b="0" i="1" smtClean="0">
+                                          <a:latin typeface="Cambria Math" panose="02040503050406030204" pitchFamily="18" charset="0"/>
+                                        </a:rPr>
+                                        <m:t>2</m:t>
+                                      </m:r>
+                                    </m:sup>
+                                  </m:sSup>
+                                </m:e>
+                              </m:func>
+                            </m:den>
+                          </m:f>
+                          <m:r>
+                            <a:rPr lang="en-US" b="0" i="1" smtClean="0">
+                              <a:latin typeface="Cambria Math" panose="02040503050406030204" pitchFamily="18" charset="0"/>
+                            </a:rPr>
+                            <m:t>+1</m:t>
+                          </m:r>
                         </m:den>
                       </m:f>
                     </m:oMath>
@@ -3878,10 +3812,10 @@
             </p:txBody>
           </p:sp>
         </mc:Choice>
-        <mc:Fallback>
+        <mc:Fallback xmlns="">
           <p:sp>
             <p:nvSpPr>
-              <p:cNvPr id="35" name="TextBox 34"/>
+              <p:cNvPr id="37" name="TextBox 36"/>
               <p:cNvSpPr txBox="1">
                 <a:spLocks noRot="1" noChangeAspect="1" noMove="1" noResize="1" noEditPoints="1" noAdjustHandles="1" noChangeArrowheads="1" noChangeShapeType="1" noTextEdit="1"/>
               </p:cNvSpPr>
@@ -3889,8 +3823,8 @@
             </p:nvSpPr>
             <p:spPr>
               <a:xfrm>
-                <a:off x="3401703" y="6013834"/>
-                <a:ext cx="1347548" cy="603114"/>
+                <a:off x="3356619" y="5409276"/>
+                <a:ext cx="1619611" cy="760273"/>
               </a:xfrm>
               <a:prstGeom prst="rect">
                 <a:avLst/>
@@ -3921,6 +3855,36 @@
     <p:extLst>
       <p:ext uri="{BB962C8B-B14F-4D97-AF65-F5344CB8AC3E}">
         <p14:creationId xmlns:p14="http://schemas.microsoft.com/office/powerpoint/2010/main" val="1110323045"/>
+      </p:ext>
+    </p:extLst>
+  </p:cSld>
+  <p:clrMapOvr>
+    <a:masterClrMapping/>
+  </p:clrMapOvr>
+</p:sld>
+</file>
+
+<file path=ppt/slides/slide2.xml><?xml version="1.0" encoding="utf-8"?>
+<p:sld xmlns:a="http://schemas.openxmlformats.org/drawingml/2006/main" xmlns:r="http://schemas.openxmlformats.org/officeDocument/2006/relationships" xmlns:p="http://schemas.openxmlformats.org/presentationml/2006/main">
+  <p:cSld>
+    <p:spTree>
+      <p:nvGrpSpPr>
+        <p:cNvPr id="1" name=""/>
+        <p:cNvGrpSpPr/>
+        <p:nvPr/>
+      </p:nvGrpSpPr>
+      <p:grpSpPr>
+        <a:xfrm>
+          <a:off x="0" y="0"/>
+          <a:ext cx="0" cy="0"/>
+          <a:chOff x="0" y="0"/>
+          <a:chExt cx="0" cy="0"/>
+        </a:xfrm>
+      </p:grpSpPr>
+    </p:spTree>
+    <p:extLst>
+      <p:ext uri="{BB962C8B-B14F-4D97-AF65-F5344CB8AC3E}">
+        <p14:creationId xmlns:p14="http://schemas.microsoft.com/office/powerpoint/2010/main" val="400261992"/>
       </p:ext>
     </p:extLst>
   </p:cSld>
